--- a/Resources/GroupProject.pptx
+++ b/Resources/GroupProject.pptx
@@ -16,8 +16,10 @@
     <p:sldId id="265" r:id="rId10"/>
     <p:sldId id="259" r:id="rId11"/>
     <p:sldId id="266" r:id="rId12"/>
-    <p:sldId id="267" r:id="rId13"/>
-    <p:sldId id="268" r:id="rId14"/>
+    <p:sldId id="269" r:id="rId13"/>
+    <p:sldId id="267" r:id="rId14"/>
+    <p:sldId id="268" r:id="rId15"/>
+    <p:sldId id="270" r:id="rId16"/>
   </p:sldIdLst>
   <p:sldSz cx="12192000" cy="6858000"/>
   <p:notesSz cx="6858000" cy="9144000"/>
@@ -116,6 +118,11 @@
       </a:defRPr>
     </a:lvl9pPr>
   </p:defaultTextStyle>
+  <p:extLst>
+    <p:ext uri="{EFAFB233-063F-42B5-8137-9DF3F51BA10A}">
+      <p15:sldGuideLst xmlns:p15="http://schemas.microsoft.com/office/powerpoint/2012/main"/>
+    </p:ext>
+  </p:extLst>
 </p:presentation>
 </file>
 
@@ -2417,7 +2424,7 @@
           <a:p>
             <a:fld id="{6204E4D0-A21D-4E75-A42C-7072C45DB219}" type="datetimeFigureOut">
               <a:rPr lang="en-US" smtClean="0"/>
-              <a:t>8/12/2018</a:t>
+              <a:t>8/13/2018</a:t>
             </a:fld>
             <a:endParaRPr lang="en-US"/>
           </a:p>
@@ -2615,7 +2622,7 @@
           <a:p>
             <a:fld id="{6204E4D0-A21D-4E75-A42C-7072C45DB219}" type="datetimeFigureOut">
               <a:rPr lang="en-US" smtClean="0"/>
-              <a:t>8/12/2018</a:t>
+              <a:t>8/13/2018</a:t>
             </a:fld>
             <a:endParaRPr lang="en-US"/>
           </a:p>
@@ -2823,7 +2830,7 @@
           <a:p>
             <a:fld id="{6204E4D0-A21D-4E75-A42C-7072C45DB219}" type="datetimeFigureOut">
               <a:rPr lang="en-US" smtClean="0"/>
-              <a:t>8/12/2018</a:t>
+              <a:t>8/13/2018</a:t>
             </a:fld>
             <a:endParaRPr lang="en-US"/>
           </a:p>
@@ -3021,7 +3028,7 @@
           <a:p>
             <a:fld id="{6204E4D0-A21D-4E75-A42C-7072C45DB219}" type="datetimeFigureOut">
               <a:rPr lang="en-US" smtClean="0"/>
-              <a:t>8/12/2018</a:t>
+              <a:t>8/13/2018</a:t>
             </a:fld>
             <a:endParaRPr lang="en-US"/>
           </a:p>
@@ -3296,7 +3303,7 @@
           <a:p>
             <a:fld id="{6204E4D0-A21D-4E75-A42C-7072C45DB219}" type="datetimeFigureOut">
               <a:rPr lang="en-US" smtClean="0"/>
-              <a:t>8/12/2018</a:t>
+              <a:t>8/13/2018</a:t>
             </a:fld>
             <a:endParaRPr lang="en-US"/>
           </a:p>
@@ -3561,7 +3568,7 @@
           <a:p>
             <a:fld id="{6204E4D0-A21D-4E75-A42C-7072C45DB219}" type="datetimeFigureOut">
               <a:rPr lang="en-US" smtClean="0"/>
-              <a:t>8/12/2018</a:t>
+              <a:t>8/13/2018</a:t>
             </a:fld>
             <a:endParaRPr lang="en-US"/>
           </a:p>
@@ -3973,7 +3980,7 @@
           <a:p>
             <a:fld id="{6204E4D0-A21D-4E75-A42C-7072C45DB219}" type="datetimeFigureOut">
               <a:rPr lang="en-US" smtClean="0"/>
-              <a:t>8/12/2018</a:t>
+              <a:t>8/13/2018</a:t>
             </a:fld>
             <a:endParaRPr lang="en-US"/>
           </a:p>
@@ -4114,7 +4121,7 @@
           <a:p>
             <a:fld id="{6204E4D0-A21D-4E75-A42C-7072C45DB219}" type="datetimeFigureOut">
               <a:rPr lang="en-US" smtClean="0"/>
-              <a:t>8/12/2018</a:t>
+              <a:t>8/13/2018</a:t>
             </a:fld>
             <a:endParaRPr lang="en-US"/>
           </a:p>
@@ -4227,7 +4234,7 @@
           <a:p>
             <a:fld id="{6204E4D0-A21D-4E75-A42C-7072C45DB219}" type="datetimeFigureOut">
               <a:rPr lang="en-US" smtClean="0"/>
-              <a:t>8/12/2018</a:t>
+              <a:t>8/13/2018</a:t>
             </a:fld>
             <a:endParaRPr lang="en-US"/>
           </a:p>
@@ -4538,7 +4545,7 @@
           <a:p>
             <a:fld id="{6204E4D0-A21D-4E75-A42C-7072C45DB219}" type="datetimeFigureOut">
               <a:rPr lang="en-US" smtClean="0"/>
-              <a:t>8/12/2018</a:t>
+              <a:t>8/13/2018</a:t>
             </a:fld>
             <a:endParaRPr lang="en-US"/>
           </a:p>
@@ -4826,7 +4833,7 @@
           <a:p>
             <a:fld id="{6204E4D0-A21D-4E75-A42C-7072C45DB219}" type="datetimeFigureOut">
               <a:rPr lang="en-US" smtClean="0"/>
-              <a:t>8/12/2018</a:t>
+              <a:t>8/13/2018</a:t>
             </a:fld>
             <a:endParaRPr lang="en-US"/>
           </a:p>
@@ -5067,7 +5074,7 @@
           <a:p>
             <a:fld id="{6204E4D0-A21D-4E75-A42C-7072C45DB219}" type="datetimeFigureOut">
               <a:rPr lang="en-US" smtClean="0"/>
-              <a:t>8/12/2018</a:t>
+              <a:t>8/13/2018</a:t>
             </a:fld>
             <a:endParaRPr lang="en-US"/>
           </a:p>
@@ -6596,6 +6603,404 @@
           </a:p>
         </p:txBody>
       </p:sp>
+      <p:pic>
+        <p:nvPicPr>
+          <p:cNvPr id="4" name="Picture 3">
+            <a:extLst>
+              <a:ext uri="{FF2B5EF4-FFF2-40B4-BE49-F238E27FC236}">
+                <a16:creationId xmlns:a16="http://schemas.microsoft.com/office/drawing/2014/main" id="{A2B2FBBF-9AD5-4239-84B5-30ED5351415E}"/>
+              </a:ext>
+            </a:extLst>
+          </p:cNvPr>
+          <p:cNvPicPr>
+            <a:picLocks noChangeAspect="1"/>
+          </p:cNvPicPr>
+          <p:nvPr/>
+        </p:nvPicPr>
+        <p:blipFill>
+          <a:blip r:embed="rId2"/>
+          <a:stretch>
+            <a:fillRect/>
+          </a:stretch>
+        </p:blipFill>
+        <p:spPr>
+          <a:xfrm>
+            <a:off x="3299546" y="244421"/>
+            <a:ext cx="4396257" cy="3659884"/>
+          </a:xfrm>
+          <a:prstGeom prst="rect">
+            <a:avLst/>
+          </a:prstGeom>
+        </p:spPr>
+      </p:pic>
+      <p:sp>
+        <p:nvSpPr>
+          <p:cNvPr id="2" name="Title 1">
+            <a:extLst>
+              <a:ext uri="{FF2B5EF4-FFF2-40B4-BE49-F238E27FC236}">
+                <a16:creationId xmlns:a16="http://schemas.microsoft.com/office/drawing/2014/main" id="{E9CE1BB3-6A6E-480A-B5D7-EA817C90F408}"/>
+              </a:ext>
+            </a:extLst>
+          </p:cNvPr>
+          <p:cNvSpPr>
+            <a:spLocks noGrp="1"/>
+          </p:cNvSpPr>
+          <p:nvPr>
+            <p:ph type="title"/>
+          </p:nvPr>
+        </p:nvSpPr>
+        <p:spPr>
+          <a:xfrm>
+            <a:off x="640080" y="2074363"/>
+            <a:ext cx="2752354" cy="2709275"/>
+          </a:xfrm>
+          <a:prstGeom prst="ellipse">
+            <a:avLst/>
+          </a:prstGeom>
+          <a:solidFill>
+            <a:srgbClr val="262626"/>
+          </a:solidFill>
+          <a:ln w="174625" cmpd="thinThick">
+            <a:solidFill>
+              <a:srgbClr val="262626"/>
+            </a:solidFill>
+          </a:ln>
+        </p:spPr>
+        <p:txBody>
+          <a:bodyPr vert="horz" lIns="91440" tIns="45720" rIns="91440" bIns="45720" rtlCol="0" anchor="ctr">
+            <a:normAutofit/>
+          </a:bodyPr>
+          <a:lstStyle/>
+          <a:p>
+            <a:pPr algn="ctr"/>
+            <a:r>
+              <a:rPr lang="en-US" sz="2600" kern="1200">
+                <a:solidFill>
+                  <a:srgbClr val="FFFFFF"/>
+                </a:solidFill>
+                <a:latin typeface="+mj-lt"/>
+                <a:ea typeface="+mj-ea"/>
+                <a:cs typeface="+mj-cs"/>
+              </a:rPr>
+              <a:t>Delay VS Cities</a:t>
+            </a:r>
+          </a:p>
+        </p:txBody>
+      </p:sp>
+      <p:pic>
+        <p:nvPicPr>
+          <p:cNvPr id="5" name="Picture 4">
+            <a:extLst>
+              <a:ext uri="{FF2B5EF4-FFF2-40B4-BE49-F238E27FC236}">
+                <a16:creationId xmlns:a16="http://schemas.microsoft.com/office/drawing/2014/main" id="{2E7DC432-AF14-46C9-B4A1-7C8D952DB0C7}"/>
+              </a:ext>
+            </a:extLst>
+          </p:cNvPr>
+          <p:cNvPicPr>
+            <a:picLocks noChangeAspect="1"/>
+          </p:cNvPicPr>
+          <p:nvPr/>
+        </p:nvPicPr>
+        <p:blipFill>
+          <a:blip r:embed="rId3"/>
+          <a:stretch>
+            <a:fillRect/>
+          </a:stretch>
+        </p:blipFill>
+        <p:spPr>
+          <a:xfrm>
+            <a:off x="7079993" y="2959020"/>
+            <a:ext cx="4471927" cy="3583885"/>
+          </a:xfrm>
+          <a:prstGeom prst="rect">
+            <a:avLst/>
+          </a:prstGeom>
+        </p:spPr>
+      </p:pic>
+    </p:spTree>
+    <p:extLst>
+      <p:ext uri="{BB962C8B-B14F-4D97-AF65-F5344CB8AC3E}">
+        <p14:creationId xmlns:p14="http://schemas.microsoft.com/office/powerpoint/2010/main" val="2510602122"/>
+      </p:ext>
+    </p:extLst>
+  </p:cSld>
+  <p:clrMapOvr>
+    <a:masterClrMapping/>
+  </p:clrMapOvr>
+  <p:timing>
+    <p:tnLst>
+      <p:par>
+        <p:cTn id="1" dur="indefinite" restart="never" nodeType="tmRoot">
+          <p:childTnLst>
+            <p:seq concurrent="1" nextAc="seek">
+              <p:cTn id="2" dur="indefinite" nodeType="mainSeq">
+                <p:childTnLst>
+                  <p:par>
+                    <p:cTn id="3" fill="hold">
+                      <p:stCondLst>
+                        <p:cond delay="indefinite"/>
+                      </p:stCondLst>
+                      <p:childTnLst>
+                        <p:par>
+                          <p:cTn id="4" fill="hold">
+                            <p:stCondLst>
+                              <p:cond delay="0"/>
+                            </p:stCondLst>
+                            <p:childTnLst>
+                              <p:par>
+                                <p:cTn id="5" presetID="1" presetClass="entr" presetSubtype="0" fill="hold" nodeType="clickEffect">
+                                  <p:stCondLst>
+                                    <p:cond delay="0"/>
+                                  </p:stCondLst>
+                                  <p:childTnLst>
+                                    <p:set>
+                                      <p:cBhvr>
+                                        <p:cTn id="6" dur="1" fill="hold">
+                                          <p:stCondLst>
+                                            <p:cond delay="0"/>
+                                          </p:stCondLst>
+                                        </p:cTn>
+                                        <p:tgtEl>
+                                          <p:spTgt spid="4"/>
+                                        </p:tgtEl>
+                                        <p:attrNameLst>
+                                          <p:attrName>style.visibility</p:attrName>
+                                        </p:attrNameLst>
+                                      </p:cBhvr>
+                                      <p:to>
+                                        <p:strVal val="visible"/>
+                                      </p:to>
+                                    </p:set>
+                                  </p:childTnLst>
+                                </p:cTn>
+                              </p:par>
+                            </p:childTnLst>
+                          </p:cTn>
+                        </p:par>
+                      </p:childTnLst>
+                    </p:cTn>
+                  </p:par>
+                  <p:par>
+                    <p:cTn id="7" fill="hold">
+                      <p:stCondLst>
+                        <p:cond delay="indefinite"/>
+                      </p:stCondLst>
+                      <p:childTnLst>
+                        <p:par>
+                          <p:cTn id="8" fill="hold">
+                            <p:stCondLst>
+                              <p:cond delay="0"/>
+                            </p:stCondLst>
+                            <p:childTnLst>
+                              <p:par>
+                                <p:cTn id="9" presetID="1" presetClass="entr" presetSubtype="0" fill="hold" nodeType="clickEffect">
+                                  <p:stCondLst>
+                                    <p:cond delay="0"/>
+                                  </p:stCondLst>
+                                  <p:childTnLst>
+                                    <p:set>
+                                      <p:cBhvr>
+                                        <p:cTn id="10" dur="1" fill="hold">
+                                          <p:stCondLst>
+                                            <p:cond delay="0"/>
+                                          </p:stCondLst>
+                                        </p:cTn>
+                                        <p:tgtEl>
+                                          <p:spTgt spid="5"/>
+                                        </p:tgtEl>
+                                        <p:attrNameLst>
+                                          <p:attrName>style.visibility</p:attrName>
+                                        </p:attrNameLst>
+                                      </p:cBhvr>
+                                      <p:to>
+                                        <p:strVal val="visible"/>
+                                      </p:to>
+                                    </p:set>
+                                  </p:childTnLst>
+                                </p:cTn>
+                              </p:par>
+                            </p:childTnLst>
+                          </p:cTn>
+                        </p:par>
+                      </p:childTnLst>
+                    </p:cTn>
+                  </p:par>
+                </p:childTnLst>
+              </p:cTn>
+              <p:prevCondLst>
+                <p:cond evt="onPrev" delay="0">
+                  <p:tgtEl>
+                    <p:sldTgt/>
+                  </p:tgtEl>
+                </p:cond>
+              </p:prevCondLst>
+              <p:nextCondLst>
+                <p:cond evt="onNext" delay="0">
+                  <p:tgtEl>
+                    <p:sldTgt/>
+                  </p:tgtEl>
+                </p:cond>
+              </p:nextCondLst>
+            </p:seq>
+          </p:childTnLst>
+        </p:cTn>
+      </p:par>
+    </p:tnLst>
+  </p:timing>
+</p:sld>
+</file>
+
+<file path=ppt/slides/slide13.xml><?xml version="1.0" encoding="utf-8"?>
+<p:sld xmlns:a="http://schemas.openxmlformats.org/drawingml/2006/main" xmlns:r="http://schemas.openxmlformats.org/officeDocument/2006/relationships" xmlns:p="http://schemas.openxmlformats.org/presentationml/2006/main">
+  <p:cSld>
+    <p:bg>
+      <p:bgPr>
+        <a:solidFill>
+          <a:schemeClr val="bg1"/>
+        </a:solidFill>
+        <a:effectLst/>
+      </p:bgPr>
+    </p:bg>
+    <p:spTree>
+      <p:nvGrpSpPr>
+        <p:cNvPr id="1" name=""/>
+        <p:cNvGrpSpPr/>
+        <p:nvPr/>
+      </p:nvGrpSpPr>
+      <p:grpSpPr>
+        <a:xfrm>
+          <a:off x="0" y="0"/>
+          <a:ext cx="0" cy="0"/>
+          <a:chOff x="0" y="0"/>
+          <a:chExt cx="0" cy="0"/>
+        </a:xfrm>
+      </p:grpSpPr>
+      <p:sp>
+        <p:nvSpPr>
+          <p:cNvPr id="9" name="Rectangle 8">
+            <a:extLst>
+              <a:ext uri="{FF2B5EF4-FFF2-40B4-BE49-F238E27FC236}">
+                <a16:creationId xmlns:a16="http://schemas.microsoft.com/office/drawing/2014/main" id="{6753252F-4873-4F63-801D-CC719279A7D5}"/>
+              </a:ext>
+              <a:ext uri="{C183D7F6-B498-43B3-948B-1728B52AA6E4}">
+                <adec:decorative xmlns:adec="http://schemas.microsoft.com/office/drawing/2017/decorative" val="1"/>
+              </a:ext>
+            </a:extLst>
+          </p:cNvPr>
+          <p:cNvSpPr>
+            <a:spLocks noGrp="1" noRot="1" noChangeAspect="1" noMove="1" noResize="1" noEditPoints="1" noAdjustHandles="1" noChangeArrowheads="1" noChangeShapeType="1" noTextEdit="1"/>
+          </p:cNvSpPr>
+          <p:nvPr>
+            <p:extLst>
+              <p:ext uri="{386F3935-93C4-4BCD-93E2-E3B085C9AB24}">
+                <p16:designElem xmlns:p16="http://schemas.microsoft.com/office/powerpoint/2015/main" val="1"/>
+              </p:ext>
+            </p:extLst>
+          </p:nvPr>
+        </p:nvSpPr>
+        <p:spPr>
+          <a:xfrm>
+            <a:off x="0" y="0"/>
+            <a:ext cx="12192000" cy="6858000"/>
+          </a:xfrm>
+          <a:prstGeom prst="rect">
+            <a:avLst/>
+          </a:prstGeom>
+          <a:solidFill>
+            <a:srgbClr val="FFFFFF"/>
+          </a:solidFill>
+          <a:ln>
+            <a:noFill/>
+          </a:ln>
+        </p:spPr>
+        <p:style>
+          <a:lnRef idx="2">
+            <a:schemeClr val="accent1">
+              <a:shade val="50000"/>
+            </a:schemeClr>
+          </a:lnRef>
+          <a:fillRef idx="1">
+            <a:schemeClr val="accent1"/>
+          </a:fillRef>
+          <a:effectRef idx="0">
+            <a:schemeClr val="accent1"/>
+          </a:effectRef>
+          <a:fontRef idx="minor">
+            <a:schemeClr val="lt1"/>
+          </a:fontRef>
+        </p:style>
+        <p:txBody>
+          <a:bodyPr rtlCol="0" anchor="ctr"/>
+          <a:lstStyle/>
+          <a:p>
+            <a:pPr algn="ctr"/>
+            <a:endParaRPr lang="en-US"/>
+          </a:p>
+        </p:txBody>
+      </p:sp>
+      <p:sp>
+        <p:nvSpPr>
+          <p:cNvPr id="11" name="Rectangle 10">
+            <a:extLst>
+              <a:ext uri="{FF2B5EF4-FFF2-40B4-BE49-F238E27FC236}">
+                <a16:creationId xmlns:a16="http://schemas.microsoft.com/office/drawing/2014/main" id="{047C8CCB-F95D-4249-92DD-651249D3535A}"/>
+              </a:ext>
+              <a:ext uri="{C183D7F6-B498-43B3-948B-1728B52AA6E4}">
+                <adec:decorative xmlns:adec="http://schemas.microsoft.com/office/drawing/2017/decorative" val="1"/>
+              </a:ext>
+            </a:extLst>
+          </p:cNvPr>
+          <p:cNvSpPr>
+            <a:spLocks noGrp="1" noRot="1" noChangeAspect="1" noMove="1" noResize="1" noEditPoints="1" noAdjustHandles="1" noChangeArrowheads="1" noChangeShapeType="1" noTextEdit="1"/>
+          </p:cNvSpPr>
+          <p:nvPr>
+            <p:extLst>
+              <p:ext uri="{386F3935-93C4-4BCD-93E2-E3B085C9AB24}">
+                <p16:designElem xmlns:p16="http://schemas.microsoft.com/office/powerpoint/2015/main" val="1"/>
+              </p:ext>
+            </p:extLst>
+          </p:nvPr>
+        </p:nvSpPr>
+        <p:spPr>
+          <a:xfrm>
+            <a:off x="0" y="0"/>
+            <a:ext cx="2013557" cy="6858000"/>
+          </a:xfrm>
+          <a:prstGeom prst="rect">
+            <a:avLst/>
+          </a:prstGeom>
+          <a:solidFill>
+            <a:srgbClr val="7F7F7F"/>
+          </a:solidFill>
+          <a:ln>
+            <a:noFill/>
+          </a:ln>
+        </p:spPr>
+        <p:style>
+          <a:lnRef idx="2">
+            <a:schemeClr val="accent1">
+              <a:shade val="50000"/>
+            </a:schemeClr>
+          </a:lnRef>
+          <a:fillRef idx="1">
+            <a:schemeClr val="accent1"/>
+          </a:fillRef>
+          <a:effectRef idx="0">
+            <a:schemeClr val="accent1"/>
+          </a:effectRef>
+          <a:fontRef idx="minor">
+            <a:schemeClr val="lt1"/>
+          </a:fontRef>
+        </p:style>
+        <p:txBody>
+          <a:bodyPr rtlCol="0" anchor="ctr"/>
+          <a:lstStyle/>
+          <a:p>
+            <a:pPr algn="ctr"/>
+            <a:endParaRPr lang="en-US"/>
+          </a:p>
+        </p:txBody>
+      </p:sp>
       <p:sp>
         <p:nvSpPr>
           <p:cNvPr id="2" name="Title 1">
@@ -7024,7 +7429,7 @@
 </p:sld>
 </file>
 
-<file path=ppt/slides/slide13.xml><?xml version="1.0" encoding="utf-8"?>
+<file path=ppt/slides/slide14.xml><?xml version="1.0" encoding="utf-8"?>
 <p:sld xmlns:a="http://schemas.openxmlformats.org/drawingml/2006/main" xmlns:r="http://schemas.openxmlformats.org/officeDocument/2006/relationships" xmlns:p="http://schemas.openxmlformats.org/presentationml/2006/main">
   <p:cSld>
     <p:bg>
@@ -7412,6 +7817,404 @@
     <p:bldLst>
       <p:bldP spid="6" grpId="0"/>
     </p:bldLst>
+  </p:timing>
+</p:sld>
+</file>
+
+<file path=ppt/slides/slide15.xml><?xml version="1.0" encoding="utf-8"?>
+<p:sld xmlns:a="http://schemas.openxmlformats.org/drawingml/2006/main" xmlns:r="http://schemas.openxmlformats.org/officeDocument/2006/relationships" xmlns:p="http://schemas.openxmlformats.org/presentationml/2006/main">
+  <p:cSld>
+    <p:bg>
+      <p:bgPr>
+        <a:solidFill>
+          <a:schemeClr val="bg1"/>
+        </a:solidFill>
+        <a:effectLst/>
+      </p:bgPr>
+    </p:bg>
+    <p:spTree>
+      <p:nvGrpSpPr>
+        <p:cNvPr id="1" name=""/>
+        <p:cNvGrpSpPr/>
+        <p:nvPr/>
+      </p:nvGrpSpPr>
+      <p:grpSpPr>
+        <a:xfrm>
+          <a:off x="0" y="0"/>
+          <a:ext cx="0" cy="0"/>
+          <a:chOff x="0" y="0"/>
+          <a:chExt cx="0" cy="0"/>
+        </a:xfrm>
+      </p:grpSpPr>
+      <p:sp>
+        <p:nvSpPr>
+          <p:cNvPr id="9" name="Rectangle 8">
+            <a:extLst>
+              <a:ext uri="{FF2B5EF4-FFF2-40B4-BE49-F238E27FC236}">
+                <a16:creationId xmlns:a16="http://schemas.microsoft.com/office/drawing/2014/main" id="{6753252F-4873-4F63-801D-CC719279A7D5}"/>
+              </a:ext>
+              <a:ext uri="{C183D7F6-B498-43B3-948B-1728B52AA6E4}">
+                <adec:decorative xmlns:adec="http://schemas.microsoft.com/office/drawing/2017/decorative" val="1"/>
+              </a:ext>
+            </a:extLst>
+          </p:cNvPr>
+          <p:cNvSpPr>
+            <a:spLocks noGrp="1" noRot="1" noChangeAspect="1" noMove="1" noResize="1" noEditPoints="1" noAdjustHandles="1" noChangeArrowheads="1" noChangeShapeType="1" noTextEdit="1"/>
+          </p:cNvSpPr>
+          <p:nvPr>
+            <p:extLst>
+              <p:ext uri="{386F3935-93C4-4BCD-93E2-E3B085C9AB24}">
+                <p16:designElem xmlns:p16="http://schemas.microsoft.com/office/powerpoint/2015/main" val="1"/>
+              </p:ext>
+            </p:extLst>
+          </p:nvPr>
+        </p:nvSpPr>
+        <p:spPr>
+          <a:xfrm>
+            <a:off x="0" y="0"/>
+            <a:ext cx="12192000" cy="6858000"/>
+          </a:xfrm>
+          <a:prstGeom prst="rect">
+            <a:avLst/>
+          </a:prstGeom>
+          <a:solidFill>
+            <a:srgbClr val="FFFFFF"/>
+          </a:solidFill>
+          <a:ln>
+            <a:noFill/>
+          </a:ln>
+        </p:spPr>
+        <p:style>
+          <a:lnRef idx="2">
+            <a:schemeClr val="accent1">
+              <a:shade val="50000"/>
+            </a:schemeClr>
+          </a:lnRef>
+          <a:fillRef idx="1">
+            <a:schemeClr val="accent1"/>
+          </a:fillRef>
+          <a:effectRef idx="0">
+            <a:schemeClr val="accent1"/>
+          </a:effectRef>
+          <a:fontRef idx="minor">
+            <a:schemeClr val="lt1"/>
+          </a:fontRef>
+        </p:style>
+        <p:txBody>
+          <a:bodyPr rtlCol="0" anchor="ctr"/>
+          <a:lstStyle/>
+          <a:p>
+            <a:pPr algn="ctr"/>
+            <a:endParaRPr lang="en-US"/>
+          </a:p>
+        </p:txBody>
+      </p:sp>
+      <p:sp>
+        <p:nvSpPr>
+          <p:cNvPr id="11" name="Rectangle 10">
+            <a:extLst>
+              <a:ext uri="{FF2B5EF4-FFF2-40B4-BE49-F238E27FC236}">
+                <a16:creationId xmlns:a16="http://schemas.microsoft.com/office/drawing/2014/main" id="{047C8CCB-F95D-4249-92DD-651249D3535A}"/>
+              </a:ext>
+              <a:ext uri="{C183D7F6-B498-43B3-948B-1728B52AA6E4}">
+                <adec:decorative xmlns:adec="http://schemas.microsoft.com/office/drawing/2017/decorative" val="1"/>
+              </a:ext>
+            </a:extLst>
+          </p:cNvPr>
+          <p:cNvSpPr>
+            <a:spLocks noGrp="1" noRot="1" noChangeAspect="1" noMove="1" noResize="1" noEditPoints="1" noAdjustHandles="1" noChangeArrowheads="1" noChangeShapeType="1" noTextEdit="1"/>
+          </p:cNvSpPr>
+          <p:nvPr>
+            <p:extLst>
+              <p:ext uri="{386F3935-93C4-4BCD-93E2-E3B085C9AB24}">
+                <p16:designElem xmlns:p16="http://schemas.microsoft.com/office/powerpoint/2015/main" val="1"/>
+              </p:ext>
+            </p:extLst>
+          </p:nvPr>
+        </p:nvSpPr>
+        <p:spPr>
+          <a:xfrm>
+            <a:off x="0" y="0"/>
+            <a:ext cx="2013557" cy="6858000"/>
+          </a:xfrm>
+          <a:prstGeom prst="rect">
+            <a:avLst/>
+          </a:prstGeom>
+          <a:solidFill>
+            <a:srgbClr val="7F7F7F"/>
+          </a:solidFill>
+          <a:ln>
+            <a:noFill/>
+          </a:ln>
+        </p:spPr>
+        <p:style>
+          <a:lnRef idx="2">
+            <a:schemeClr val="accent1">
+              <a:shade val="50000"/>
+            </a:schemeClr>
+          </a:lnRef>
+          <a:fillRef idx="1">
+            <a:schemeClr val="accent1"/>
+          </a:fillRef>
+          <a:effectRef idx="0">
+            <a:schemeClr val="accent1"/>
+          </a:effectRef>
+          <a:fontRef idx="minor">
+            <a:schemeClr val="lt1"/>
+          </a:fontRef>
+        </p:style>
+        <p:txBody>
+          <a:bodyPr rtlCol="0" anchor="ctr"/>
+          <a:lstStyle/>
+          <a:p>
+            <a:pPr algn="ctr"/>
+            <a:endParaRPr lang="en-US"/>
+          </a:p>
+        </p:txBody>
+      </p:sp>
+      <p:pic>
+        <p:nvPicPr>
+          <p:cNvPr id="4" name="Picture 3">
+            <a:extLst>
+              <a:ext uri="{FF2B5EF4-FFF2-40B4-BE49-F238E27FC236}">
+                <a16:creationId xmlns:a16="http://schemas.microsoft.com/office/drawing/2014/main" id="{EA08716E-6F87-4C46-89CD-B58E6A3FCC06}"/>
+              </a:ext>
+            </a:extLst>
+          </p:cNvPr>
+          <p:cNvPicPr>
+            <a:picLocks noChangeAspect="1"/>
+          </p:cNvPicPr>
+          <p:nvPr/>
+        </p:nvPicPr>
+        <p:blipFill>
+          <a:blip r:embed="rId2"/>
+          <a:stretch>
+            <a:fillRect/>
+          </a:stretch>
+        </p:blipFill>
+        <p:spPr>
+          <a:xfrm>
+            <a:off x="3298122" y="325709"/>
+            <a:ext cx="4210198" cy="3252378"/>
+          </a:xfrm>
+          <a:prstGeom prst="rect">
+            <a:avLst/>
+          </a:prstGeom>
+        </p:spPr>
+      </p:pic>
+      <p:sp>
+        <p:nvSpPr>
+          <p:cNvPr id="2" name="Title 1">
+            <a:extLst>
+              <a:ext uri="{FF2B5EF4-FFF2-40B4-BE49-F238E27FC236}">
+                <a16:creationId xmlns:a16="http://schemas.microsoft.com/office/drawing/2014/main" id="{CE96C973-E81D-49A6-A840-C273A02AE963}"/>
+              </a:ext>
+            </a:extLst>
+          </p:cNvPr>
+          <p:cNvSpPr>
+            <a:spLocks noGrp="1"/>
+          </p:cNvSpPr>
+          <p:nvPr>
+            <p:ph type="title"/>
+          </p:nvPr>
+        </p:nvSpPr>
+        <p:spPr>
+          <a:xfrm>
+            <a:off x="640080" y="2074363"/>
+            <a:ext cx="2752354" cy="2709275"/>
+          </a:xfrm>
+          <a:prstGeom prst="ellipse">
+            <a:avLst/>
+          </a:prstGeom>
+          <a:solidFill>
+            <a:srgbClr val="262626"/>
+          </a:solidFill>
+          <a:ln w="174625" cmpd="thinThick">
+            <a:solidFill>
+              <a:srgbClr val="262626"/>
+            </a:solidFill>
+          </a:ln>
+        </p:spPr>
+        <p:txBody>
+          <a:bodyPr vert="horz" lIns="91440" tIns="45720" rIns="91440" bIns="45720" rtlCol="0" anchor="ctr">
+            <a:normAutofit/>
+          </a:bodyPr>
+          <a:lstStyle/>
+          <a:p>
+            <a:pPr algn="ctr"/>
+            <a:r>
+              <a:rPr lang="en-US" sz="2600" kern="1200">
+                <a:solidFill>
+                  <a:srgbClr val="FFFFFF"/>
+                </a:solidFill>
+                <a:latin typeface="+mj-lt"/>
+                <a:ea typeface="+mj-ea"/>
+                <a:cs typeface="+mj-cs"/>
+              </a:rPr>
+              <a:t>Before Time VS Cities</a:t>
+            </a:r>
+          </a:p>
+        </p:txBody>
+      </p:sp>
+      <p:pic>
+        <p:nvPicPr>
+          <p:cNvPr id="5" name="Picture 4">
+            <a:extLst>
+              <a:ext uri="{FF2B5EF4-FFF2-40B4-BE49-F238E27FC236}">
+                <a16:creationId xmlns:a16="http://schemas.microsoft.com/office/drawing/2014/main" id="{DCDF6831-1FBE-4473-9082-3AC930677816}"/>
+              </a:ext>
+            </a:extLst>
+          </p:cNvPr>
+          <p:cNvPicPr>
+            <a:picLocks noChangeAspect="1"/>
+          </p:cNvPicPr>
+          <p:nvPr/>
+        </p:nvPicPr>
+        <p:blipFill>
+          <a:blip r:embed="rId3"/>
+          <a:stretch>
+            <a:fillRect/>
+          </a:stretch>
+        </p:blipFill>
+        <p:spPr>
+          <a:xfrm>
+            <a:off x="6850110" y="3066858"/>
+            <a:ext cx="4521497" cy="3433560"/>
+          </a:xfrm>
+          <a:prstGeom prst="rect">
+            <a:avLst/>
+          </a:prstGeom>
+        </p:spPr>
+      </p:pic>
+    </p:spTree>
+    <p:extLst>
+      <p:ext uri="{BB962C8B-B14F-4D97-AF65-F5344CB8AC3E}">
+        <p14:creationId xmlns:p14="http://schemas.microsoft.com/office/powerpoint/2010/main" val="3591899614"/>
+      </p:ext>
+    </p:extLst>
+  </p:cSld>
+  <p:clrMapOvr>
+    <a:masterClrMapping/>
+  </p:clrMapOvr>
+  <p:timing>
+    <p:tnLst>
+      <p:par>
+        <p:cTn id="1" dur="indefinite" restart="never" nodeType="tmRoot">
+          <p:childTnLst>
+            <p:seq concurrent="1" nextAc="seek">
+              <p:cTn id="2" dur="indefinite" nodeType="mainSeq">
+                <p:childTnLst>
+                  <p:par>
+                    <p:cTn id="3" fill="hold">
+                      <p:stCondLst>
+                        <p:cond delay="indefinite"/>
+                      </p:stCondLst>
+                      <p:childTnLst>
+                        <p:par>
+                          <p:cTn id="4" fill="hold">
+                            <p:stCondLst>
+                              <p:cond delay="0"/>
+                            </p:stCondLst>
+                            <p:childTnLst>
+                              <p:par>
+                                <p:cTn id="5" presetID="1" presetClass="entr" presetSubtype="0" fill="hold" nodeType="clickEffect">
+                                  <p:stCondLst>
+                                    <p:cond delay="0"/>
+                                  </p:stCondLst>
+                                  <p:childTnLst>
+                                    <p:set>
+                                      <p:cBhvr>
+                                        <p:cTn id="6" dur="1" fill="hold">
+                                          <p:stCondLst>
+                                            <p:cond delay="0"/>
+                                          </p:stCondLst>
+                                        </p:cTn>
+                                        <p:tgtEl>
+                                          <p:spTgt spid="4"/>
+                                        </p:tgtEl>
+                                        <p:attrNameLst>
+                                          <p:attrName>style.visibility</p:attrName>
+                                        </p:attrNameLst>
+                                      </p:cBhvr>
+                                      <p:to>
+                                        <p:strVal val="visible"/>
+                                      </p:to>
+                                    </p:set>
+                                  </p:childTnLst>
+                                </p:cTn>
+                              </p:par>
+                            </p:childTnLst>
+                          </p:cTn>
+                        </p:par>
+                      </p:childTnLst>
+                    </p:cTn>
+                  </p:par>
+                  <p:par>
+                    <p:cTn id="7" fill="hold">
+                      <p:stCondLst>
+                        <p:cond delay="indefinite"/>
+                      </p:stCondLst>
+                      <p:childTnLst>
+                        <p:par>
+                          <p:cTn id="8" fill="hold">
+                            <p:stCondLst>
+                              <p:cond delay="0"/>
+                            </p:stCondLst>
+                            <p:childTnLst>
+                              <p:par>
+                                <p:cTn id="9" presetID="1" presetClass="entr" presetSubtype="0" fill="hold" nodeType="clickEffect">
+                                  <p:stCondLst>
+                                    <p:cond delay="0"/>
+                                  </p:stCondLst>
+                                  <p:childTnLst>
+                                    <p:set>
+                                      <p:cBhvr>
+                                        <p:cTn id="10" dur="1" fill="hold">
+                                          <p:stCondLst>
+                                            <p:cond delay="0"/>
+                                          </p:stCondLst>
+                                        </p:cTn>
+                                        <p:tgtEl>
+                                          <p:spTgt spid="5"/>
+                                        </p:tgtEl>
+                                        <p:attrNameLst>
+                                          <p:attrName>style.visibility</p:attrName>
+                                        </p:attrNameLst>
+                                      </p:cBhvr>
+                                      <p:to>
+                                        <p:strVal val="visible"/>
+                                      </p:to>
+                                    </p:set>
+                                  </p:childTnLst>
+                                </p:cTn>
+                              </p:par>
+                            </p:childTnLst>
+                          </p:cTn>
+                        </p:par>
+                      </p:childTnLst>
+                    </p:cTn>
+                  </p:par>
+                </p:childTnLst>
+              </p:cTn>
+              <p:prevCondLst>
+                <p:cond evt="onPrev" delay="0">
+                  <p:tgtEl>
+                    <p:sldTgt/>
+                  </p:tgtEl>
+                </p:cond>
+              </p:prevCondLst>
+              <p:nextCondLst>
+                <p:cond evt="onNext" delay="0">
+                  <p:tgtEl>
+                    <p:sldTgt/>
+                  </p:tgtEl>
+                </p:cond>
+              </p:nextCondLst>
+            </p:seq>
+          </p:childTnLst>
+        </p:cTn>
+      </p:par>
+    </p:tnLst>
   </p:timing>
 </p:sld>
 </file>
